--- a/team_input/presentations/20201005_magnet_meeting.pptx
+++ b/team_input/presentations/20201005_magnet_meeting.pptx
@@ -8821,7 +8821,7 @@
           <a:p>
             <a:r>
               <a:rPr lang="en-GB" dirty="0"/>
-              <a:t>Please provide</a:t>
+              <a:t>Please provide:</a:t>
             </a:r>
           </a:p>
           <a:p>
